--- a/ppt/04-18.pptx
+++ b/ppt/04-18.pptx
@@ -3920,6 +3920,130 @@
           <a:chExt cx="0" cy="0"/>
         </a:xfrm>
       </p:grpSpPr>
+      <p:pic>
+        <p:nvPicPr>
+          <p:cNvPr id="2" name="그림 1"/>
+          <p:cNvPicPr>
+            <a:picLocks noChangeAspect="1"/>
+          </p:cNvPicPr>
+          <p:nvPr/>
+        </p:nvPicPr>
+        <p:blipFill>
+          <a:blip r:embed="rId2"/>
+          <a:stretch>
+            <a:fillRect/>
+          </a:stretch>
+        </p:blipFill>
+        <p:spPr>
+          <a:xfrm>
+            <a:off x="1032370" y="1652854"/>
+            <a:ext cx="4909434" cy="2292613"/>
+          </a:xfrm>
+          <a:prstGeom prst="rect">
+            <a:avLst/>
+          </a:prstGeom>
+        </p:spPr>
+      </p:pic>
+      <p:sp>
+        <p:nvSpPr>
+          <p:cNvPr id="3" name="TextBox 2"/>
+          <p:cNvSpPr txBox="1"/>
+          <p:nvPr/>
+        </p:nvSpPr>
+        <p:spPr>
+          <a:xfrm>
+            <a:off x="6917265" y="2580845"/>
+            <a:ext cx="1301959" cy="307777"/>
+          </a:xfrm>
+          <a:prstGeom prst="rect">
+            <a:avLst/>
+          </a:prstGeom>
+          <a:noFill/>
+        </p:spPr>
+        <p:txBody>
+          <a:bodyPr wrap="none" rtlCol="0">
+            <a:spAutoFit/>
+          </a:bodyPr>
+          <a:lstStyle/>
+          <a:p>
+            <a:r>
+              <a:rPr lang="ko-KR" altLang="en-US" sz="1400" dirty="0" smtClean="0"/>
+              <a:t>수정했습니다</a:t>
+            </a:r>
+            <a:r>
+              <a:rPr lang="en-US" altLang="ko-KR" sz="1400" dirty="0" smtClean="0"/>
+              <a:t>.</a:t>
+            </a:r>
+            <a:endParaRPr lang="ko-KR" altLang="en-US" sz="1400" dirty="0"/>
+          </a:p>
+        </p:txBody>
+      </p:sp>
+      <p:cxnSp>
+        <p:nvCxnSpPr>
+          <p:cNvPr id="5" name="직선 화살표 연결선 4"/>
+          <p:cNvCxnSpPr/>
+          <p:nvPr/>
+        </p:nvCxnSpPr>
+        <p:spPr>
+          <a:xfrm flipH="1" flipV="1">
+            <a:off x="5791200" y="2159000"/>
+            <a:ext cx="846667" cy="541867"/>
+          </a:xfrm>
+          <a:prstGeom prst="straightConnector1">
+            <a:avLst/>
+          </a:prstGeom>
+          <a:ln>
+            <a:tailEnd type="triangle"/>
+          </a:ln>
+        </p:spPr>
+        <p:style>
+          <a:lnRef idx="1">
+            <a:schemeClr val="accent1"/>
+          </a:lnRef>
+          <a:fillRef idx="0">
+            <a:schemeClr val="accent1"/>
+          </a:fillRef>
+          <a:effectRef idx="0">
+            <a:schemeClr val="accent1"/>
+          </a:effectRef>
+          <a:fontRef idx="minor">
+            <a:schemeClr val="tx1"/>
+          </a:fontRef>
+        </p:style>
+      </p:cxnSp>
+      <p:cxnSp>
+        <p:nvCxnSpPr>
+          <p:cNvPr id="7" name="직선 화살표 연결선 6"/>
+          <p:cNvCxnSpPr/>
+          <p:nvPr/>
+        </p:nvCxnSpPr>
+        <p:spPr>
+          <a:xfrm flipH="1">
+            <a:off x="5731933" y="2980267"/>
+            <a:ext cx="939800" cy="397933"/>
+          </a:xfrm>
+          <a:prstGeom prst="straightConnector1">
+            <a:avLst/>
+          </a:prstGeom>
+          <a:ln>
+            <a:tailEnd type="triangle"/>
+          </a:ln>
+        </p:spPr>
+        <p:style>
+          <a:lnRef idx="1">
+            <a:schemeClr val="accent1"/>
+          </a:lnRef>
+          <a:fillRef idx="0">
+            <a:schemeClr val="accent1"/>
+          </a:fillRef>
+          <a:effectRef idx="0">
+            <a:schemeClr val="accent1"/>
+          </a:effectRef>
+          <a:fontRef idx="minor">
+            <a:schemeClr val="tx1"/>
+          </a:fontRef>
+        </p:style>
+      </p:cxnSp>
     </p:spTree>
     <p:extLst>
       <p:ext uri="{BB962C8B-B14F-4D97-AF65-F5344CB8AC3E}">

--- a/ppt/04-18.pptx
+++ b/ppt/04-18.pptx
@@ -12,6 +12,7 @@
     <p:sldId id="267" r:id="rId6"/>
     <p:sldId id="268" r:id="rId7"/>
     <p:sldId id="262" r:id="rId8"/>
+    <p:sldId id="270" r:id="rId9"/>
   </p:sldIdLst>
   <p:sldSz cx="12192000" cy="6858000"/>
   <p:notesSz cx="6858000" cy="9144000"/>
@@ -4057,6 +4058,174 @@
 </p:sld>
 </file>
 
+<file path=ppt/slides/slide8.xml><?xml version="1.0" encoding="utf-8"?>
+<p:sld xmlns:a="http://schemas.openxmlformats.org/drawingml/2006/main" xmlns:r="http://schemas.openxmlformats.org/officeDocument/2006/relationships" xmlns:p="http://schemas.openxmlformats.org/presentationml/2006/main">
+  <p:cSld>
+    <p:spTree>
+      <p:nvGrpSpPr>
+        <p:cNvPr id="1" name=""/>
+        <p:cNvGrpSpPr/>
+        <p:nvPr/>
+      </p:nvGrpSpPr>
+      <p:grpSpPr>
+        <a:xfrm>
+          <a:off x="0" y="0"/>
+          <a:ext cx="0" cy="0"/>
+          <a:chOff x="0" y="0"/>
+          <a:chExt cx="0" cy="0"/>
+        </a:xfrm>
+      </p:grpSpPr>
+      <p:sp>
+        <p:nvSpPr>
+          <p:cNvPr id="6" name="TextBox 5"/>
+          <p:cNvSpPr txBox="1"/>
+          <p:nvPr/>
+        </p:nvSpPr>
+        <p:spPr>
+          <a:xfrm>
+            <a:off x="211666" y="127000"/>
+            <a:ext cx="1872629" cy="369332"/>
+          </a:xfrm>
+          <a:prstGeom prst="rect">
+            <a:avLst/>
+          </a:prstGeom>
+          <a:noFill/>
+        </p:spPr>
+        <p:txBody>
+          <a:bodyPr wrap="none" rtlCol="0">
+            <a:spAutoFit/>
+          </a:bodyPr>
+          <a:lstStyle/>
+          <a:p>
+            <a:r>
+              <a:rPr lang="en-US" altLang="ko-KR" dirty="0"/>
+              <a:t>UI-SJN-98-011U</a:t>
+            </a:r>
+            <a:endParaRPr lang="ko-KR" altLang="en-US" dirty="0"/>
+          </a:p>
+        </p:txBody>
+      </p:sp>
+      <p:sp>
+        <p:nvSpPr>
+          <p:cNvPr id="8" name="TextBox 7"/>
+          <p:cNvSpPr txBox="1"/>
+          <p:nvPr/>
+        </p:nvSpPr>
+        <p:spPr>
+          <a:xfrm>
+            <a:off x="5672666" y="127000"/>
+            <a:ext cx="1872629" cy="369332"/>
+          </a:xfrm>
+          <a:prstGeom prst="rect">
+            <a:avLst/>
+          </a:prstGeom>
+          <a:noFill/>
+        </p:spPr>
+        <p:txBody>
+          <a:bodyPr wrap="none" rtlCol="0">
+            <a:spAutoFit/>
+          </a:bodyPr>
+          <a:lstStyle/>
+          <a:p>
+            <a:r>
+              <a:rPr lang="en-US" altLang="ko-KR" dirty="0"/>
+              <a:t>UI-SJN-98-002L</a:t>
+            </a:r>
+            <a:endParaRPr lang="ko-KR" altLang="en-US" dirty="0"/>
+          </a:p>
+        </p:txBody>
+      </p:sp>
+      <p:pic>
+        <p:nvPicPr>
+          <p:cNvPr id="4" name="그림 3"/>
+          <p:cNvPicPr>
+            <a:picLocks noChangeAspect="1"/>
+          </p:cNvPicPr>
+          <p:nvPr/>
+        </p:nvPicPr>
+        <p:blipFill>
+          <a:blip r:embed="rId2"/>
+          <a:stretch>
+            <a:fillRect/>
+          </a:stretch>
+        </p:blipFill>
+        <p:spPr>
+          <a:xfrm>
+            <a:off x="5751222" y="622490"/>
+            <a:ext cx="2960978" cy="6058093"/>
+          </a:xfrm>
+          <a:prstGeom prst="rect">
+            <a:avLst/>
+          </a:prstGeom>
+        </p:spPr>
+      </p:pic>
+      <p:pic>
+        <p:nvPicPr>
+          <p:cNvPr id="9" name="그림 8"/>
+          <p:cNvPicPr>
+            <a:picLocks noChangeAspect="1"/>
+          </p:cNvPicPr>
+          <p:nvPr/>
+        </p:nvPicPr>
+        <p:blipFill>
+          <a:blip r:embed="rId3"/>
+          <a:stretch>
+            <a:fillRect/>
+          </a:stretch>
+        </p:blipFill>
+        <p:spPr>
+          <a:xfrm>
+            <a:off x="298691" y="622490"/>
+            <a:ext cx="2817044" cy="5588756"/>
+          </a:xfrm>
+          <a:prstGeom prst="rect">
+            <a:avLst/>
+          </a:prstGeom>
+        </p:spPr>
+      </p:pic>
+      <p:sp>
+        <p:nvSpPr>
+          <p:cNvPr id="10" name="TextBox 9"/>
+          <p:cNvSpPr txBox="1"/>
+          <p:nvPr/>
+        </p:nvSpPr>
+        <p:spPr>
+          <a:xfrm>
+            <a:off x="9618132" y="2182912"/>
+            <a:ext cx="1566454" cy="307777"/>
+          </a:xfrm>
+          <a:prstGeom prst="rect">
+            <a:avLst/>
+          </a:prstGeom>
+          <a:noFill/>
+        </p:spPr>
+        <p:txBody>
+          <a:bodyPr wrap="none" rtlCol="0">
+            <a:spAutoFit/>
+          </a:bodyPr>
+          <a:lstStyle/>
+          <a:p>
+            <a:r>
+              <a:rPr lang="ko-KR" altLang="en-US" sz="1400" dirty="0" smtClean="0"/>
+              <a:t>신규 페이지 추가</a:t>
+            </a:r>
+            <a:endParaRPr lang="ko-KR" altLang="en-US" sz="1400" dirty="0"/>
+          </a:p>
+        </p:txBody>
+      </p:sp>
+    </p:spTree>
+    <p:extLst>
+      <p:ext uri="{BB962C8B-B14F-4D97-AF65-F5344CB8AC3E}">
+        <p14:creationId xmlns:p14="http://schemas.microsoft.com/office/powerpoint/2010/main" val="1600976170"/>
+      </p:ext>
+    </p:extLst>
+  </p:cSld>
+  <p:clrMapOvr>
+    <a:masterClrMapping/>
+  </p:clrMapOvr>
+</p:sld>
+</file>
+
 <file path=ppt/theme/theme1.xml><?xml version="1.0" encoding="utf-8"?>
 <a:theme xmlns:a="http://schemas.openxmlformats.org/drawingml/2006/main" name="Office 테마">
   <a:themeElements>
